--- a/RTRN/neph_genes/endoderm/venn.pptx
+++ b/RTRN/neph_genes/endoderm/venn.pptx
@@ -289,7 +289,7 @@
             <a:fld id="{1D8BD707-D9CF-40AE-B4C6-C98DA3205C09}" type="datetimeFigureOut">
               <a:rPr lang="en-US" smtClean="0"/>
               <a:pPr/>
-              <a:t>6/24/2015</a:t>
+              <a:t>6/25/2015</a:t>
             </a:fld>
             <a:endParaRPr lang="en-US"/>
           </a:p>
@@ -456,7 +456,7 @@
             <a:fld id="{1D8BD707-D9CF-40AE-B4C6-C98DA3205C09}" type="datetimeFigureOut">
               <a:rPr lang="en-US" smtClean="0"/>
               <a:pPr/>
-              <a:t>6/24/2015</a:t>
+              <a:t>6/25/2015</a:t>
             </a:fld>
             <a:endParaRPr lang="en-US"/>
           </a:p>
@@ -633,7 +633,7 @@
             <a:fld id="{1D8BD707-D9CF-40AE-B4C6-C98DA3205C09}" type="datetimeFigureOut">
               <a:rPr lang="en-US" smtClean="0"/>
               <a:pPr/>
-              <a:t>6/24/2015</a:t>
+              <a:t>6/25/2015</a:t>
             </a:fld>
             <a:endParaRPr lang="en-US"/>
           </a:p>
@@ -800,7 +800,7 @@
             <a:fld id="{1D8BD707-D9CF-40AE-B4C6-C98DA3205C09}" type="datetimeFigureOut">
               <a:rPr lang="en-US" smtClean="0"/>
               <a:pPr/>
-              <a:t>6/24/2015</a:t>
+              <a:t>6/25/2015</a:t>
             </a:fld>
             <a:endParaRPr lang="en-US"/>
           </a:p>
@@ -1043,7 +1043,7 @@
             <a:fld id="{1D8BD707-D9CF-40AE-B4C6-C98DA3205C09}" type="datetimeFigureOut">
               <a:rPr lang="en-US" smtClean="0"/>
               <a:pPr/>
-              <a:t>6/24/2015</a:t>
+              <a:t>6/25/2015</a:t>
             </a:fld>
             <a:endParaRPr lang="en-US"/>
           </a:p>
@@ -1328,7 +1328,7 @@
             <a:fld id="{1D8BD707-D9CF-40AE-B4C6-C98DA3205C09}" type="datetimeFigureOut">
               <a:rPr lang="en-US" smtClean="0"/>
               <a:pPr/>
-              <a:t>6/24/2015</a:t>
+              <a:t>6/25/2015</a:t>
             </a:fld>
             <a:endParaRPr lang="en-US"/>
           </a:p>
@@ -1747,7 +1747,7 @@
             <a:fld id="{1D8BD707-D9CF-40AE-B4C6-C98DA3205C09}" type="datetimeFigureOut">
               <a:rPr lang="en-US" smtClean="0"/>
               <a:pPr/>
-              <a:t>6/24/2015</a:t>
+              <a:t>6/25/2015</a:t>
             </a:fld>
             <a:endParaRPr lang="en-US"/>
           </a:p>
@@ -1862,7 +1862,7 @@
             <a:fld id="{1D8BD707-D9CF-40AE-B4C6-C98DA3205C09}" type="datetimeFigureOut">
               <a:rPr lang="en-US" smtClean="0"/>
               <a:pPr/>
-              <a:t>6/24/2015</a:t>
+              <a:t>6/25/2015</a:t>
             </a:fld>
             <a:endParaRPr lang="en-US"/>
           </a:p>
@@ -1954,7 +1954,7 @@
             <a:fld id="{1D8BD707-D9CF-40AE-B4C6-C98DA3205C09}" type="datetimeFigureOut">
               <a:rPr lang="en-US" smtClean="0"/>
               <a:pPr/>
-              <a:t>6/24/2015</a:t>
+              <a:t>6/25/2015</a:t>
             </a:fld>
             <a:endParaRPr lang="en-US"/>
           </a:p>
@@ -2228,7 +2228,7 @@
             <a:fld id="{1D8BD707-D9CF-40AE-B4C6-C98DA3205C09}" type="datetimeFigureOut">
               <a:rPr lang="en-US" smtClean="0"/>
               <a:pPr/>
-              <a:t>6/24/2015</a:t>
+              <a:t>6/25/2015</a:t>
             </a:fld>
             <a:endParaRPr lang="en-US"/>
           </a:p>
@@ -2478,7 +2478,7 @@
             <a:fld id="{1D8BD707-D9CF-40AE-B4C6-C98DA3205C09}" type="datetimeFigureOut">
               <a:rPr lang="en-US" smtClean="0"/>
               <a:pPr/>
-              <a:t>6/24/2015</a:t>
+              <a:t>6/25/2015</a:t>
             </a:fld>
             <a:endParaRPr lang="en-US"/>
           </a:p>
@@ -2688,7 +2688,7 @@
             <a:fld id="{1D8BD707-D9CF-40AE-B4C6-C98DA3205C09}" type="datetimeFigureOut">
               <a:rPr lang="en-US" smtClean="0"/>
               <a:pPr/>
-              <a:t>6/24/2015</a:t>
+              <a:t>6/25/2015</a:t>
             </a:fld>
             <a:endParaRPr lang="en-US"/>
           </a:p>
@@ -3362,11 +3362,7 @@
             <a:pPr algn="ctr"/>
             <a:r>
               <a:rPr lang="en-US" sz="2000" dirty="0" smtClean="0"/>
-              <a:t>Distribution of RT edges in </a:t>
-            </a:r>
-            <a:r>
-              <a:rPr lang="en-US" sz="2000" dirty="0" smtClean="0"/>
-              <a:t>Endoderm</a:t>
+              <a:t>Distribution of RT edges in Endoderm</a:t>
             </a:r>
             <a:endParaRPr lang="en-US" sz="2000" dirty="0"/>
           </a:p>
@@ -3397,7 +3393,7 @@
             <a:pPr algn="ctr"/>
             <a:r>
               <a:rPr lang="en-US" dirty="0" smtClean="0"/>
-              <a:t>3</a:t>
+              <a:t>1</a:t>
             </a:r>
             <a:endParaRPr lang="en-US" dirty="0"/>
           </a:p>
@@ -3430,7 +3426,6 @@
               <a:rPr lang="en-US" dirty="0"/>
               <a:t>441</a:t>
             </a:r>
-            <a:endParaRPr lang="en-US" dirty="0"/>
           </a:p>
         </p:txBody>
       </p:sp>
@@ -3458,8 +3453,8 @@
           <a:p>
             <a:pPr algn="ctr"/>
             <a:r>
-              <a:rPr lang="en-US" dirty="0"/>
-              <a:t>128</a:t>
+              <a:rPr lang="en-US" dirty="0" smtClean="0"/>
+              <a:t>80</a:t>
             </a:r>
             <a:endParaRPr lang="en-US" dirty="0"/>
           </a:p>
@@ -3489,8 +3484,8 @@
           <a:p>
             <a:pPr algn="ctr"/>
             <a:r>
-              <a:rPr lang="en-US" dirty="0"/>
-              <a:t>5324</a:t>
+              <a:rPr lang="en-US" dirty="0" smtClean="0"/>
+              <a:t>5393</a:t>
             </a:r>
             <a:endParaRPr lang="en-US" dirty="0"/>
           </a:p>
@@ -3520,8 +3515,8 @@
           <a:p>
             <a:pPr algn="ctr"/>
             <a:r>
-              <a:rPr lang="en-US" dirty="0"/>
-              <a:t>1928</a:t>
+              <a:rPr lang="en-US" dirty="0" smtClean="0"/>
+              <a:t>1930</a:t>
             </a:r>
             <a:endParaRPr lang="en-US" dirty="0"/>
           </a:p>
@@ -3551,8 +3546,8 @@
           <a:p>
             <a:pPr algn="ctr"/>
             <a:r>
-              <a:rPr lang="en-US" dirty="0"/>
-              <a:t>134</a:t>
+              <a:rPr lang="en-US" dirty="0" smtClean="0"/>
+              <a:t>65</a:t>
             </a:r>
             <a:endParaRPr lang="en-US" dirty="0"/>
           </a:p>
@@ -3582,8 +3577,8 @@
           <a:p>
             <a:pPr algn="ctr"/>
             <a:r>
-              <a:rPr lang="en-US" dirty="0"/>
-              <a:t>1911</a:t>
+              <a:rPr lang="en-US" dirty="0" smtClean="0"/>
+              <a:t>1959</a:t>
             </a:r>
             <a:endParaRPr lang="en-US" dirty="0"/>
           </a:p>
